--- a/ppt/understand-javascript-in-depth(part 3).pptx
+++ b/ppt/understand-javascript-in-depth(part 3).pptx
@@ -251,7 +251,7 @@
             <a:fld id="{D83FDC75-7F73-4A4A-A77C-09AADF00E0EA}" type="datetimeFigureOut">
               <a:rPr lang="en-US" smtClean="0"/>
               <a:pPr/>
-              <a:t>17/12/26</a:t>
+              <a:t>18/6/3</a:t>
             </a:fld>
             <a:endParaRPr lang="en-US" dirty="0"/>
           </a:p>
@@ -418,7 +418,7 @@
             <a:fld id="{48AEF76B-3757-4A0B-AF93-28494465C1DD}" type="datetimeFigureOut">
               <a:rPr lang="en-US" smtClean="0"/>
               <a:pPr/>
-              <a:t>17/12/26</a:t>
+              <a:t>18/6/3</a:t>
             </a:fld>
             <a:endParaRPr lang="en-US" dirty="0"/>
           </a:p>
@@ -1796,14 +1796,6 @@
               </a:rPr>
               <a:t>先看示例</a:t>
             </a:r>
-            <a:endParaRPr lang="en-US" sz="1200" b="0" i="0" dirty="0" smtClean="0">
-              <a:solidFill>
-                <a:schemeClr val="tx1"/>
-              </a:solidFill>
-              <a:latin typeface="Calibri"/>
-              <a:ea typeface="+mn-ea"/>
-              <a:cs typeface="+mn-cs"/>
-            </a:endParaRPr>
           </a:p>
           <a:p>
             <a:pPr marL="0" marR="0" indent="0" algn="l" defTabSz="914400">
@@ -3814,7 +3806,7 @@
             <a:fld id="{757B281C-5159-4971-8228-52B9A72E9ED2}" type="datetimeFigureOut">
               <a:rPr kumimoji="0" lang="en-US" smtClean="0"/>
               <a:pPr/>
-              <a:t>17/12/26</a:t>
+              <a:t>18/6/3</a:t>
             </a:fld>
             <a:endParaRPr kumimoji="0" lang="en-US" dirty="0"/>
           </a:p>
@@ -3916,7 +3908,7 @@
             <a:fld id="{757B281C-5159-4971-8228-52B9A72E9ED2}" type="datetimeFigureOut">
               <a:rPr kumimoji="0" lang="en-US" smtClean="0"/>
               <a:pPr/>
-              <a:t>17/12/26</a:t>
+              <a:t>18/6/3</a:t>
             </a:fld>
             <a:endParaRPr kumimoji="0" lang="en-US" dirty="0"/>
           </a:p>
@@ -4052,7 +4044,7 @@
             <a:fld id="{757B281C-5159-4971-8228-52B9A72E9ED2}" type="datetimeFigureOut">
               <a:rPr kumimoji="0" lang="en-US" smtClean="0"/>
               <a:pPr/>
-              <a:t>17/12/26</a:t>
+              <a:t>18/6/3</a:t>
             </a:fld>
             <a:endParaRPr kumimoji="0" lang="en-US" dirty="0"/>
           </a:p>
@@ -4258,7 +4250,7 @@
             <a:fld id="{757B281C-5159-4971-8228-52B9A72E9ED2}" type="datetimeFigureOut">
               <a:rPr kumimoji="0" lang="en-US" smtClean="0"/>
               <a:pPr/>
-              <a:t>17/12/26</a:t>
+              <a:t>18/6/3</a:t>
             </a:fld>
             <a:endParaRPr kumimoji="0" lang="en-US" dirty="0"/>
           </a:p>
@@ -4657,7 +4649,7 @@
             <a:fld id="{757B281C-5159-4971-8228-52B9A72E9ED2}" type="datetimeFigureOut">
               <a:rPr kumimoji="0" lang="en-US" smtClean="0"/>
               <a:pPr/>
-              <a:t>17/12/26</a:t>
+              <a:t>18/6/3</a:t>
             </a:fld>
             <a:endParaRPr kumimoji="0" lang="en-US" dirty="0"/>
           </a:p>
@@ -4958,7 +4950,7 @@
             <a:fld id="{757B281C-5159-4971-8228-52B9A72E9ED2}" type="datetimeFigureOut">
               <a:rPr kumimoji="0" lang="en-US" smtClean="0"/>
               <a:pPr/>
-              <a:t>17/12/26</a:t>
+              <a:t>18/6/3</a:t>
             </a:fld>
             <a:endParaRPr kumimoji="0" lang="en-US" dirty="0"/>
           </a:p>
@@ -5388,7 +5380,7 @@
             <a:fld id="{757B281C-5159-4971-8228-52B9A72E9ED2}" type="datetimeFigureOut">
               <a:rPr kumimoji="0" lang="en-US" smtClean="0"/>
               <a:pPr/>
-              <a:t>17/12/26</a:t>
+              <a:t>18/6/3</a:t>
             </a:fld>
             <a:endParaRPr kumimoji="0" lang="en-US" dirty="0"/>
           </a:p>
@@ -5666,7 +5658,7 @@
             <a:fld id="{757B281C-5159-4971-8228-52B9A72E9ED2}" type="datetimeFigureOut">
               <a:rPr kumimoji="0" lang="en-US" smtClean="0"/>
               <a:pPr/>
-              <a:t>17/12/26</a:t>
+              <a:t>18/6/3</a:t>
             </a:fld>
             <a:endParaRPr kumimoji="0" lang="en-US" dirty="0"/>
           </a:p>
@@ -5932,7 +5924,7 @@
             <a:fld id="{757B281C-5159-4971-8228-52B9A72E9ED2}" type="datetimeFigureOut">
               <a:rPr kumimoji="0" lang="en-US" smtClean="0"/>
               <a:pPr/>
-              <a:t>17/12/26</a:t>
+              <a:t>18/6/3</a:t>
             </a:fld>
             <a:endParaRPr kumimoji="0" lang="en-US" dirty="0"/>
           </a:p>
@@ -6103,7 +6095,7 @@
             <a:fld id="{757B281C-5159-4971-8228-52B9A72E9ED2}" type="datetimeFigureOut">
               <a:rPr kumimoji="0" lang="en-US" smtClean="0"/>
               <a:pPr/>
-              <a:t>17/12/26</a:t>
+              <a:t>18/6/3</a:t>
             </a:fld>
             <a:endParaRPr kumimoji="0" lang="en-US" dirty="0"/>
           </a:p>
@@ -6284,7 +6276,7 @@
             <a:fld id="{757B281C-5159-4971-8228-52B9A72E9ED2}" type="datetimeFigureOut">
               <a:rPr kumimoji="0" lang="en-US" smtClean="0"/>
               <a:pPr/>
-              <a:t>17/12/26</a:t>
+              <a:t>18/6/3</a:t>
             </a:fld>
             <a:endParaRPr kumimoji="0" lang="en-US" dirty="0"/>
           </a:p>
@@ -6527,7 +6519,7 @@
             <a:fld id="{757B281C-5159-4971-8228-52B9A72E9ED2}" type="datetimeFigureOut">
               <a:rPr kumimoji="0" lang="en-US" smtClean="0"/>
               <a:pPr/>
-              <a:t>17/12/26</a:t>
+              <a:t>18/6/3</a:t>
             </a:fld>
             <a:endParaRPr kumimoji="0" lang="en-US" dirty="0"/>
           </a:p>
@@ -7762,7 +7754,7 @@
               </a:rPr>
             </a:br>
             <a:r>
-              <a:rPr lang="en-US" u="sng" dirty="0">
+              <a:rPr lang="en-US" altLang="zh-CN" u="sng" dirty="0">
                 <a:solidFill>
                   <a:srgbClr val="1F497D"/>
                 </a:solidFill>
@@ -7770,10 +7762,10 @@
                 <a:ea typeface="Hei"/>
                 <a:cs typeface="Hei"/>
               </a:rPr>
-              <a:t>http://</a:t>
-            </a:r>
-            <a:r>
-              <a:rPr lang="en-US" u="sng" dirty="0" err="1">
+              <a:t>https://</a:t>
+            </a:r>
+            <a:r>
+              <a:rPr lang="en-US" altLang="zh-CN" u="sng" dirty="0" err="1">
                 <a:solidFill>
                   <a:srgbClr val="1F497D"/>
                 </a:solidFill>
@@ -7781,10 +7773,10 @@
                 <a:ea typeface="Hei"/>
                 <a:cs typeface="Hei"/>
               </a:rPr>
-              <a:t>git.dianpingoa.com</a:t>
-            </a:r>
-            <a:r>
-              <a:rPr lang="en-US" u="sng" dirty="0">
+              <a:t>github.com</a:t>
+            </a:r>
+            <a:r>
+              <a:rPr lang="en-US" altLang="zh-CN" u="sng" dirty="0">
                 <a:solidFill>
                   <a:srgbClr val="1F497D"/>
                 </a:solidFill>
@@ -7792,10 +7784,10 @@
                 <a:ea typeface="Hei"/>
                 <a:cs typeface="Hei"/>
               </a:rPr>
-              <a:t>/v1/</a:t>
-            </a:r>
-            <a:r>
-              <a:rPr lang="en-US" u="sng" dirty="0" err="1">
+              <a:t>/future-tech-learning-team/understand-</a:t>
+            </a:r>
+            <a:r>
+              <a:rPr lang="en-US" altLang="zh-CN" u="sng" dirty="0" err="1">
                 <a:solidFill>
                   <a:srgbClr val="1F497D"/>
                 </a:solidFill>
@@ -7803,10 +7795,10 @@
                 <a:ea typeface="Hei"/>
                 <a:cs typeface="Hei"/>
               </a:rPr>
-              <a:t>sh</a:t>
-            </a:r>
-            <a:r>
-              <a:rPr lang="en-US" u="sng" dirty="0">
+              <a:t>javascript</a:t>
+            </a:r>
+            <a:r>
+              <a:rPr lang="en-US" altLang="zh-CN" u="sng">
                 <a:solidFill>
                   <a:srgbClr val="1F497D"/>
                 </a:solidFill>
@@ -7814,31 +7806,9 @@
                 <a:ea typeface="Hei"/>
                 <a:cs typeface="Hei"/>
               </a:rPr>
-              <a:t>/projects/ADP/repos/understand-</a:t>
-            </a:r>
-            <a:r>
-              <a:rPr lang="en-US" u="sng" dirty="0" err="1">
-                <a:solidFill>
-                  <a:srgbClr val="1F497D"/>
-                </a:solidFill>
-                <a:latin typeface="Hei"/>
-                <a:ea typeface="Hei"/>
-                <a:cs typeface="Hei"/>
-              </a:rPr>
-              <a:t>javascript</a:t>
-            </a:r>
-            <a:r>
-              <a:rPr lang="en-US" u="sng" dirty="0">
-                <a:solidFill>
-                  <a:srgbClr val="1F497D"/>
-                </a:solidFill>
-                <a:latin typeface="Hei"/>
-                <a:ea typeface="Hei"/>
-                <a:cs typeface="Hei"/>
-              </a:rPr>
-              <a:t>-in-depth/browse</a:t>
-            </a:r>
-            <a:endParaRPr lang="en-US" sz="3200" b="0" i="0" u="sng" dirty="0">
+              <a:t>-in-depth</a:t>
+            </a:r>
+            <a:endParaRPr lang="en-US" altLang="zh-CN" u="sng" dirty="0">
               <a:solidFill>
                 <a:srgbClr val="1F497D"/>
               </a:solidFill>
@@ -8152,15 +8122,7 @@
                 <a:ea typeface="Hei"/>
                 <a:cs typeface="Hei"/>
               </a:rPr>
-              <a:t>Prototype（</a:t>
-            </a:r>
-            <a:r>
-              <a:rPr lang="en-US" sz="3200" dirty="0" err="1" smtClean="0">
-                <a:latin typeface="Hei"/>
-                <a:ea typeface="Hei"/>
-                <a:cs typeface="Hei"/>
-              </a:rPr>
-              <a:t>原型</a:t>
+              <a:t>Prototype（原型</a:t>
             </a:r>
             <a:r>
               <a:rPr lang="en-US" sz="3200" dirty="0" smtClean="0">
@@ -8201,23 +8163,7 @@
                 <a:ea typeface="Hei"/>
                 <a:cs typeface="Hei"/>
               </a:rPr>
-              <a:t>（</a:t>
-            </a:r>
-            <a:r>
-              <a:rPr lang="zh-CN" altLang="en-US" sz="3200" dirty="0" smtClean="0">
-                <a:latin typeface="Hei"/>
-                <a:ea typeface="Hei"/>
-                <a:cs typeface="Hei"/>
-              </a:rPr>
-              <a:t>继承</a:t>
-            </a:r>
-            <a:r>
-              <a:rPr lang="zh-CN" altLang="en-US" sz="3200" dirty="0" smtClean="0">
-                <a:latin typeface="Hei"/>
-                <a:ea typeface="Hei"/>
-                <a:cs typeface="Hei"/>
-              </a:rPr>
-              <a:t>）</a:t>
+              <a:t>（继承）</a:t>
             </a:r>
           </a:p>
         </p:txBody>
